--- a/NotchingGradeInsp_Document/SPC+/LHM_PPT_작업/SPCPlus_Image Quality.pptx
+++ b/NotchingGradeInsp_Document/SPC+/LHM_PPT_작업/SPCPlus_Image Quality.pptx
@@ -18,7 +18,7 @@
     <p:sldId id="266" r:id="rId12"/>
   </p:sldIdLst>
   <p:sldSz cx="9144000" cy="6858000" type="screen4x3"/>
-  <p:notesSz cx="6858000" cy="9144000"/>
+  <p:notesSz cx="6865938" cy="9540875"/>
   <p:defaultTextStyle>
     <a:defPPr>
       <a:defRPr lang="ko-KR"/>
@@ -298,7 +298,8 @@
           <a:p>
             <a:fld id="{D60838DA-7C24-4305-B2EC-9025AEFCEE42}" type="datetimeFigureOut">
               <a:rPr lang="ko-KR" altLang="en-US" smtClean="0"/>
-              <a:t>2023-06-02</a:t>
+              <a:pPr/>
+              <a:t>2023-06-13</a:t>
             </a:fld>
             <a:endParaRPr lang="ko-KR" altLang="en-US"/>
           </a:p>
@@ -340,6 +341,7 @@
           <a:p>
             <a:fld id="{CE2DB94F-6CFB-48C8-A3FE-A50D6B9DA2EE}" type="slidenum">
               <a:rPr lang="ko-KR" altLang="en-US" smtClean="0"/>
+              <a:pPr/>
               <a:t>‹#›</a:t>
             </a:fld>
             <a:endParaRPr lang="ko-KR" altLang="en-US"/>
@@ -463,7 +465,8 @@
           <a:p>
             <a:fld id="{D60838DA-7C24-4305-B2EC-9025AEFCEE42}" type="datetimeFigureOut">
               <a:rPr lang="ko-KR" altLang="en-US" smtClean="0"/>
-              <a:t>2023-06-02</a:t>
+              <a:pPr/>
+              <a:t>2023-06-13</a:t>
             </a:fld>
             <a:endParaRPr lang="ko-KR" altLang="en-US"/>
           </a:p>
@@ -505,6 +508,7 @@
           <a:p>
             <a:fld id="{CE2DB94F-6CFB-48C8-A3FE-A50D6B9DA2EE}" type="slidenum">
               <a:rPr lang="ko-KR" altLang="en-US" smtClean="0"/>
+              <a:pPr/>
               <a:t>‹#›</a:t>
             </a:fld>
             <a:endParaRPr lang="ko-KR" altLang="en-US"/>
@@ -638,7 +642,8 @@
           <a:p>
             <a:fld id="{D60838DA-7C24-4305-B2EC-9025AEFCEE42}" type="datetimeFigureOut">
               <a:rPr lang="ko-KR" altLang="en-US" smtClean="0"/>
-              <a:t>2023-06-02</a:t>
+              <a:pPr/>
+              <a:t>2023-06-13</a:t>
             </a:fld>
             <a:endParaRPr lang="ko-KR" altLang="en-US"/>
           </a:p>
@@ -680,6 +685,7 @@
           <a:p>
             <a:fld id="{CE2DB94F-6CFB-48C8-A3FE-A50D6B9DA2EE}" type="slidenum">
               <a:rPr lang="ko-KR" altLang="en-US" smtClean="0"/>
+              <a:pPr/>
               <a:t>‹#›</a:t>
             </a:fld>
             <a:endParaRPr lang="ko-KR" altLang="en-US"/>
@@ -803,7 +809,8 @@
           <a:p>
             <a:fld id="{D60838DA-7C24-4305-B2EC-9025AEFCEE42}" type="datetimeFigureOut">
               <a:rPr lang="ko-KR" altLang="en-US" smtClean="0"/>
-              <a:t>2023-06-02</a:t>
+              <a:pPr/>
+              <a:t>2023-06-13</a:t>
             </a:fld>
             <a:endParaRPr lang="ko-KR" altLang="en-US"/>
           </a:p>
@@ -845,6 +852,7 @@
           <a:p>
             <a:fld id="{CE2DB94F-6CFB-48C8-A3FE-A50D6B9DA2EE}" type="slidenum">
               <a:rPr lang="ko-KR" altLang="en-US" smtClean="0"/>
+              <a:pPr/>
               <a:t>‹#›</a:t>
             </a:fld>
             <a:endParaRPr lang="ko-KR" altLang="en-US"/>
@@ -1044,7 +1052,8 @@
           <a:p>
             <a:fld id="{D60838DA-7C24-4305-B2EC-9025AEFCEE42}" type="datetimeFigureOut">
               <a:rPr lang="ko-KR" altLang="en-US" smtClean="0"/>
-              <a:t>2023-06-02</a:t>
+              <a:pPr/>
+              <a:t>2023-06-13</a:t>
             </a:fld>
             <a:endParaRPr lang="ko-KR" altLang="en-US"/>
           </a:p>
@@ -1086,6 +1095,7 @@
           <a:p>
             <a:fld id="{CE2DB94F-6CFB-48C8-A3FE-A50D6B9DA2EE}" type="slidenum">
               <a:rPr lang="ko-KR" altLang="en-US" smtClean="0"/>
+              <a:pPr/>
               <a:t>‹#›</a:t>
             </a:fld>
             <a:endParaRPr lang="ko-KR" altLang="en-US"/>
@@ -1327,7 +1337,8 @@
           <a:p>
             <a:fld id="{D60838DA-7C24-4305-B2EC-9025AEFCEE42}" type="datetimeFigureOut">
               <a:rPr lang="ko-KR" altLang="en-US" smtClean="0"/>
-              <a:t>2023-06-02</a:t>
+              <a:pPr/>
+              <a:t>2023-06-13</a:t>
             </a:fld>
             <a:endParaRPr lang="ko-KR" altLang="en-US"/>
           </a:p>
@@ -1369,6 +1380,7 @@
           <a:p>
             <a:fld id="{CE2DB94F-6CFB-48C8-A3FE-A50D6B9DA2EE}" type="slidenum">
               <a:rPr lang="ko-KR" altLang="en-US" smtClean="0"/>
+              <a:pPr/>
               <a:t>‹#›</a:t>
             </a:fld>
             <a:endParaRPr lang="ko-KR" altLang="en-US"/>
@@ -1744,7 +1756,8 @@
           <a:p>
             <a:fld id="{D60838DA-7C24-4305-B2EC-9025AEFCEE42}" type="datetimeFigureOut">
               <a:rPr lang="ko-KR" altLang="en-US" smtClean="0"/>
-              <a:t>2023-06-02</a:t>
+              <a:pPr/>
+              <a:t>2023-06-13</a:t>
             </a:fld>
             <a:endParaRPr lang="ko-KR" altLang="en-US"/>
           </a:p>
@@ -1786,6 +1799,7 @@
           <a:p>
             <a:fld id="{CE2DB94F-6CFB-48C8-A3FE-A50D6B9DA2EE}" type="slidenum">
               <a:rPr lang="ko-KR" altLang="en-US" smtClean="0"/>
+              <a:pPr/>
               <a:t>‹#›</a:t>
             </a:fld>
             <a:endParaRPr lang="ko-KR" altLang="en-US"/>
@@ -1857,7 +1871,8 @@
           <a:p>
             <a:fld id="{D60838DA-7C24-4305-B2EC-9025AEFCEE42}" type="datetimeFigureOut">
               <a:rPr lang="ko-KR" altLang="en-US" smtClean="0"/>
-              <a:t>2023-06-02</a:t>
+              <a:pPr/>
+              <a:t>2023-06-13</a:t>
             </a:fld>
             <a:endParaRPr lang="ko-KR" altLang="en-US"/>
           </a:p>
@@ -1899,6 +1914,7 @@
           <a:p>
             <a:fld id="{CE2DB94F-6CFB-48C8-A3FE-A50D6B9DA2EE}" type="slidenum">
               <a:rPr lang="ko-KR" altLang="en-US" smtClean="0"/>
+              <a:pPr/>
               <a:t>‹#›</a:t>
             </a:fld>
             <a:endParaRPr lang="ko-KR" altLang="en-US"/>
@@ -1947,7 +1963,8 @@
           <a:p>
             <a:fld id="{D60838DA-7C24-4305-B2EC-9025AEFCEE42}" type="datetimeFigureOut">
               <a:rPr lang="ko-KR" altLang="en-US" smtClean="0"/>
-              <a:t>2023-06-02</a:t>
+              <a:pPr/>
+              <a:t>2023-06-13</a:t>
             </a:fld>
             <a:endParaRPr lang="ko-KR" altLang="en-US"/>
           </a:p>
@@ -1989,6 +2006,7 @@
           <a:p>
             <a:fld id="{CE2DB94F-6CFB-48C8-A3FE-A50D6B9DA2EE}" type="slidenum">
               <a:rPr lang="ko-KR" altLang="en-US" smtClean="0"/>
+              <a:pPr/>
               <a:t>‹#›</a:t>
             </a:fld>
             <a:endParaRPr lang="ko-KR" altLang="en-US"/>
@@ -2219,7 +2237,8 @@
           <a:p>
             <a:fld id="{D60838DA-7C24-4305-B2EC-9025AEFCEE42}" type="datetimeFigureOut">
               <a:rPr lang="ko-KR" altLang="en-US" smtClean="0"/>
-              <a:t>2023-06-02</a:t>
+              <a:pPr/>
+              <a:t>2023-06-13</a:t>
             </a:fld>
             <a:endParaRPr lang="ko-KR" altLang="en-US"/>
           </a:p>
@@ -2261,6 +2280,7 @@
           <a:p>
             <a:fld id="{CE2DB94F-6CFB-48C8-A3FE-A50D6B9DA2EE}" type="slidenum">
               <a:rPr lang="ko-KR" altLang="en-US" smtClean="0"/>
+              <a:pPr/>
               <a:t>‹#›</a:t>
             </a:fld>
             <a:endParaRPr lang="ko-KR" altLang="en-US"/>
@@ -2467,7 +2487,8 @@
           <a:p>
             <a:fld id="{D60838DA-7C24-4305-B2EC-9025AEFCEE42}" type="datetimeFigureOut">
               <a:rPr lang="ko-KR" altLang="en-US" smtClean="0"/>
-              <a:t>2023-06-02</a:t>
+              <a:pPr/>
+              <a:t>2023-06-13</a:t>
             </a:fld>
             <a:endParaRPr lang="ko-KR" altLang="en-US"/>
           </a:p>
@@ -2509,6 +2530,7 @@
           <a:p>
             <a:fld id="{CE2DB94F-6CFB-48C8-A3FE-A50D6B9DA2EE}" type="slidenum">
               <a:rPr lang="ko-KR" altLang="en-US" smtClean="0"/>
+              <a:pPr/>
               <a:t>‹#›</a:t>
             </a:fld>
             <a:endParaRPr lang="ko-KR" altLang="en-US"/>
@@ -2675,7 +2697,8 @@
           <a:p>
             <a:fld id="{D60838DA-7C24-4305-B2EC-9025AEFCEE42}" type="datetimeFigureOut">
               <a:rPr lang="ko-KR" altLang="en-US" smtClean="0"/>
-              <a:t>2023-06-02</a:t>
+              <a:pPr/>
+              <a:t>2023-06-13</a:t>
             </a:fld>
             <a:endParaRPr lang="ko-KR" altLang="en-US"/>
           </a:p>
@@ -2753,6 +2776,7 @@
           <a:p>
             <a:fld id="{CE2DB94F-6CFB-48C8-A3FE-A50D6B9DA2EE}" type="slidenum">
               <a:rPr lang="ko-KR" altLang="en-US" smtClean="0"/>
+              <a:pPr/>
               <a:t>‹#›</a:t>
             </a:fld>
             <a:endParaRPr lang="ko-KR" altLang="en-US"/>
@@ -5262,7 +5286,6 @@
               <a:rPr lang="en-US" altLang="ko-KR" sz="2800" dirty="0" smtClean="0"/>
               <a:t>4. IQ_CAM_ANGLE_VALUE</a:t>
             </a:r>
-            <a:endParaRPr lang="en-US" altLang="ko-KR" sz="2800" dirty="0" smtClean="0"/>
           </a:p>
         </p:txBody>
       </p:sp>
